--- a/uploads/maps-lab-icon.pptx
+++ b/uploads/maps-lab-icon.pptx
@@ -3026,10 +3026,18 @@
               <a:r>
                 <a:rPr lang="en-US" altLang="zh-CN" sz="6899" dirty="0">
                   <a:solidFill>
+                    <a:srgbClr val="00B050"/>
+                  </a:solidFill>
+                </a:rPr>
+                <a:t>MAPS</a:t>
+              </a:r>
+              <a:r>
+                <a:rPr lang="en-US" altLang="zh-CN" sz="6899" dirty="0">
+                  <a:solidFill>
                     <a:srgbClr val="CCE29F"/>
                   </a:solidFill>
                 </a:rPr>
-                <a:t>MAPS </a:t>
+                <a:t> </a:t>
               </a:r>
               <a:r>
                 <a:rPr lang="en-US" altLang="zh-CN" sz="6899" dirty="0">
@@ -3055,14 +3063,20 @@
               <a:r>
                 <a:rPr lang="en-US" altLang="zh-CN" sz="6899" dirty="0">
                   <a:solidFill>
-                    <a:srgbClr val="EFCEAE"/>
+                    <a:schemeClr val="tx1">
+                      <a:lumMod val="75000"/>
+                      <a:lumOff val="25000"/>
+                    </a:schemeClr>
                   </a:solidFill>
                 </a:rPr>
                 <a:t>LAB</a:t>
               </a:r>
               <a:endParaRPr lang="zh-CN" altLang="en-US" sz="6899" dirty="0">
                 <a:solidFill>
-                  <a:srgbClr val="EFCEAE"/>
+                  <a:schemeClr val="tx1">
+                    <a:lumMod val="75000"/>
+                    <a:lumOff val="25000"/>
+                  </a:schemeClr>
                 </a:solidFill>
               </a:endParaRPr>
             </a:p>

--- a/uploads/maps-lab-icon.pptx
+++ b/uploads/maps-lab-icon.pptx
@@ -243,7 +243,7 @@
           <a:p>
             <a:fld id="{54CFFCBF-558E-4877-9230-813DAB03C28B}" type="datetimeFigureOut">
               <a:rPr lang="zh-CN" altLang="en-US" smtClean="0"/>
-              <a:t>2022/12/13</a:t>
+              <a:t>2022/12/15</a:t>
             </a:fld>
             <a:endParaRPr lang="zh-CN" altLang="en-US"/>
           </a:p>
@@ -413,7 +413,7 @@
           <a:p>
             <a:fld id="{54CFFCBF-558E-4877-9230-813DAB03C28B}" type="datetimeFigureOut">
               <a:rPr lang="zh-CN" altLang="en-US" smtClean="0"/>
-              <a:t>2022/12/13</a:t>
+              <a:t>2022/12/15</a:t>
             </a:fld>
             <a:endParaRPr lang="zh-CN" altLang="en-US"/>
           </a:p>
@@ -593,7 +593,7 @@
           <a:p>
             <a:fld id="{54CFFCBF-558E-4877-9230-813DAB03C28B}" type="datetimeFigureOut">
               <a:rPr lang="zh-CN" altLang="en-US" smtClean="0"/>
-              <a:t>2022/12/13</a:t>
+              <a:t>2022/12/15</a:t>
             </a:fld>
             <a:endParaRPr lang="zh-CN" altLang="en-US"/>
           </a:p>
@@ -763,7 +763,7 @@
           <a:p>
             <a:fld id="{54CFFCBF-558E-4877-9230-813DAB03C28B}" type="datetimeFigureOut">
               <a:rPr lang="zh-CN" altLang="en-US" smtClean="0"/>
-              <a:t>2022/12/13</a:t>
+              <a:t>2022/12/15</a:t>
             </a:fld>
             <a:endParaRPr lang="zh-CN" altLang="en-US"/>
           </a:p>
@@ -1009,7 +1009,7 @@
           <a:p>
             <a:fld id="{54CFFCBF-558E-4877-9230-813DAB03C28B}" type="datetimeFigureOut">
               <a:rPr lang="zh-CN" altLang="en-US" smtClean="0"/>
-              <a:t>2022/12/13</a:t>
+              <a:t>2022/12/15</a:t>
             </a:fld>
             <a:endParaRPr lang="zh-CN" altLang="en-US"/>
           </a:p>
@@ -1241,7 +1241,7 @@
           <a:p>
             <a:fld id="{54CFFCBF-558E-4877-9230-813DAB03C28B}" type="datetimeFigureOut">
               <a:rPr lang="zh-CN" altLang="en-US" smtClean="0"/>
-              <a:t>2022/12/13</a:t>
+              <a:t>2022/12/15</a:t>
             </a:fld>
             <a:endParaRPr lang="zh-CN" altLang="en-US"/>
           </a:p>
@@ -1608,7 +1608,7 @@
           <a:p>
             <a:fld id="{54CFFCBF-558E-4877-9230-813DAB03C28B}" type="datetimeFigureOut">
               <a:rPr lang="zh-CN" altLang="en-US" smtClean="0"/>
-              <a:t>2022/12/13</a:t>
+              <a:t>2022/12/15</a:t>
             </a:fld>
             <a:endParaRPr lang="zh-CN" altLang="en-US"/>
           </a:p>
@@ -1726,7 +1726,7 @@
           <a:p>
             <a:fld id="{54CFFCBF-558E-4877-9230-813DAB03C28B}" type="datetimeFigureOut">
               <a:rPr lang="zh-CN" altLang="en-US" smtClean="0"/>
-              <a:t>2022/12/13</a:t>
+              <a:t>2022/12/15</a:t>
             </a:fld>
             <a:endParaRPr lang="zh-CN" altLang="en-US"/>
           </a:p>
@@ -1821,7 +1821,7 @@
           <a:p>
             <a:fld id="{54CFFCBF-558E-4877-9230-813DAB03C28B}" type="datetimeFigureOut">
               <a:rPr lang="zh-CN" altLang="en-US" smtClean="0"/>
-              <a:t>2022/12/13</a:t>
+              <a:t>2022/12/15</a:t>
             </a:fld>
             <a:endParaRPr lang="zh-CN" altLang="en-US"/>
           </a:p>
@@ -2098,7 +2098,7 @@
           <a:p>
             <a:fld id="{54CFFCBF-558E-4877-9230-813DAB03C28B}" type="datetimeFigureOut">
               <a:rPr lang="zh-CN" altLang="en-US" smtClean="0"/>
-              <a:t>2022/12/13</a:t>
+              <a:t>2022/12/15</a:t>
             </a:fld>
             <a:endParaRPr lang="zh-CN" altLang="en-US"/>
           </a:p>
@@ -2355,7 +2355,7 @@
           <a:p>
             <a:fld id="{54CFFCBF-558E-4877-9230-813DAB03C28B}" type="datetimeFigureOut">
               <a:rPr lang="zh-CN" altLang="en-US" smtClean="0"/>
-              <a:t>2022/12/13</a:t>
+              <a:t>2022/12/15</a:t>
             </a:fld>
             <a:endParaRPr lang="zh-CN" altLang="en-US"/>
           </a:p>
@@ -2568,7 +2568,7 @@
           <a:p>
             <a:fld id="{54CFFCBF-558E-4877-9230-813DAB03C28B}" type="datetimeFigureOut">
               <a:rPr lang="zh-CN" altLang="en-US" smtClean="0"/>
-              <a:t>2022/12/13</a:t>
+              <a:t>2022/12/15</a:t>
             </a:fld>
             <a:endParaRPr lang="zh-CN" altLang="en-US"/>
           </a:p>
@@ -2973,145 +2973,101 @@
           <a:chExt cx="0" cy="0"/>
         </a:xfrm>
       </p:grpSpPr>
-      <p:grpSp>
-        <p:nvGrpSpPr>
-          <p:cNvPr id="11" name="组合 10">
+      <p:sp>
+        <p:nvSpPr>
+          <p:cNvPr id="8" name="文本框 7">
             <a:extLst>
               <a:ext uri="{FF2B5EF4-FFF2-40B4-BE49-F238E27FC236}">
-                <a16:creationId xmlns:a16="http://schemas.microsoft.com/office/drawing/2014/main" id="{10645536-D66C-4111-8E46-7FFBD094C5CE}"/>
+                <a16:creationId xmlns:a16="http://schemas.microsoft.com/office/drawing/2014/main" id="{43240A2F-65DB-4874-8B0E-3F031E4ACF9B}"/>
               </a:ext>
             </a:extLst>
           </p:cNvPr>
-          <p:cNvGrpSpPr>
-            <a:grpSpLocks noChangeAspect="1"/>
-          </p:cNvGrpSpPr>
+          <p:cNvSpPr txBox="1"/>
           <p:nvPr/>
-        </p:nvGrpSpPr>
-        <p:grpSpPr>
+        </p:nvSpPr>
+        <p:spPr>
           <a:xfrm>
-            <a:off x="-116477" y="-38050"/>
+            <a:off x="-137160" y="-38050"/>
             <a:ext cx="5319304" cy="1155600"/>
-            <a:chOff x="470797" y="57578"/>
-            <a:chExt cx="5312096" cy="1154034"/>
           </a:xfrm>
-        </p:grpSpPr>
-        <p:sp>
-          <p:nvSpPr>
-            <p:cNvPr id="8" name="文本框 7">
-              <a:extLst>
-                <a:ext uri="{FF2B5EF4-FFF2-40B4-BE49-F238E27FC236}">
-                  <a16:creationId xmlns:a16="http://schemas.microsoft.com/office/drawing/2014/main" id="{43240A2F-65DB-4874-8B0E-3F031E4ACF9B}"/>
-                </a:ext>
-              </a:extLst>
-            </p:cNvPr>
-            <p:cNvSpPr txBox="1"/>
-            <p:nvPr/>
-          </p:nvSpPr>
-          <p:spPr>
-            <a:xfrm>
-              <a:off x="470797" y="57578"/>
-              <a:ext cx="5312096" cy="1154034"/>
-            </a:xfrm>
-            <a:prstGeom prst="rect">
-              <a:avLst/>
-            </a:prstGeom>
-            <a:noFill/>
-          </p:spPr>
-          <p:txBody>
-            <a:bodyPr wrap="square" rtlCol="0">
-              <a:spAutoFit/>
-            </a:bodyPr>
-            <a:lstStyle/>
-            <a:p>
-              <a:r>
-                <a:rPr lang="en-US" altLang="zh-CN" sz="6899" dirty="0">
-                  <a:solidFill>
-                    <a:srgbClr val="00B050"/>
-                  </a:solidFill>
-                </a:rPr>
-                <a:t>MAPS</a:t>
-              </a:r>
-              <a:r>
-                <a:rPr lang="en-US" altLang="zh-CN" sz="6899" dirty="0">
-                  <a:solidFill>
-                    <a:srgbClr val="CCE29F"/>
-                  </a:solidFill>
-                </a:rPr>
-                <a:t> </a:t>
-              </a:r>
-              <a:r>
-                <a:rPr lang="en-US" altLang="zh-CN" sz="6899" dirty="0">
-                  <a:solidFill>
-                    <a:schemeClr val="tx1">
-                      <a:lumMod val="65000"/>
-                      <a:lumOff val="35000"/>
-                    </a:schemeClr>
-                  </a:solidFill>
-                </a:rPr>
-                <a:t>  </a:t>
-              </a:r>
-              <a:r>
-                <a:rPr lang="en-US" altLang="zh-CN" sz="6899" dirty="0">
-                  <a:solidFill>
-                    <a:schemeClr val="bg1">
-                      <a:lumMod val="50000"/>
-                    </a:schemeClr>
-                  </a:solidFill>
-                </a:rPr>
-                <a:t>   </a:t>
-              </a:r>
-              <a:r>
-                <a:rPr lang="en-US" altLang="zh-CN" sz="6899" dirty="0">
-                  <a:solidFill>
-                    <a:schemeClr val="tx1">
-                      <a:lumMod val="75000"/>
-                      <a:lumOff val="25000"/>
-                    </a:schemeClr>
-                  </a:solidFill>
-                </a:rPr>
-                <a:t>LAB</a:t>
-              </a:r>
-              <a:endParaRPr lang="zh-CN" altLang="en-US" sz="6899" dirty="0">
+          <a:prstGeom prst="rect">
+            <a:avLst/>
+          </a:prstGeom>
+          <a:noFill/>
+        </p:spPr>
+        <p:txBody>
+          <a:bodyPr wrap="square" rtlCol="0">
+            <a:spAutoFit/>
+          </a:bodyPr>
+          <a:lstStyle/>
+          <a:p>
+            <a:r>
+              <a:rPr lang="en-US" altLang="zh-CN" sz="6899" dirty="0">
+                <a:solidFill>
+                  <a:srgbClr val="65A70C"/>
+                </a:solidFill>
+              </a:rPr>
+              <a:t>MAPS</a:t>
+            </a:r>
+            <a:r>
+              <a:rPr lang="en-US" altLang="zh-CN" sz="6899" dirty="0">
+                <a:solidFill>
+                  <a:srgbClr val="31978C"/>
+                </a:solidFill>
+              </a:rPr>
+              <a:t>     </a:t>
+            </a:r>
+            <a:r>
+              <a:rPr lang="en-US" altLang="zh-CN" sz="6899" dirty="0">
                 <a:solidFill>
                   <a:schemeClr val="tx1">
                     <a:lumMod val="75000"/>
                     <a:lumOff val="25000"/>
                   </a:schemeClr>
                 </a:solidFill>
-              </a:endParaRPr>
-            </a:p>
-          </p:txBody>
-        </p:sp>
-        <p:pic>
-          <p:nvPicPr>
-            <p:cNvPr id="10" name="图片 9">
-              <a:extLst>
-                <a:ext uri="{FF2B5EF4-FFF2-40B4-BE49-F238E27FC236}">
-                  <a16:creationId xmlns:a16="http://schemas.microsoft.com/office/drawing/2014/main" id="{AC18E3F1-8B41-4D7D-94B2-508B2A7333D6}"/>
-                </a:ext>
-              </a:extLst>
-            </p:cNvPr>
-            <p:cNvPicPr>
-              <a:picLocks noChangeAspect="1"/>
-            </p:cNvPicPr>
-            <p:nvPr/>
-          </p:nvPicPr>
-          <p:blipFill rotWithShape="1">
-            <a:blip r:embed="rId2"/>
-            <a:srcRect t="1596"/>
-            <a:stretch/>
-          </p:blipFill>
-          <p:spPr>
-            <a:xfrm>
-              <a:off x="2793498" y="156482"/>
-              <a:ext cx="920097" cy="910189"/>
-            </a:xfrm>
-            <a:prstGeom prst="rect">
-              <a:avLst/>
-            </a:prstGeom>
-          </p:spPr>
-        </p:pic>
-      </p:grpSp>
+              </a:rPr>
+              <a:t>LAB</a:t>
+            </a:r>
+            <a:endParaRPr lang="zh-CN" altLang="en-US" sz="6899" dirty="0">
+              <a:solidFill>
+                <a:schemeClr val="tx1">
+                  <a:lumMod val="75000"/>
+                  <a:lumOff val="25000"/>
+                </a:schemeClr>
+              </a:solidFill>
+            </a:endParaRPr>
+          </a:p>
+        </p:txBody>
+      </p:sp>
+      <p:pic>
+        <p:nvPicPr>
+          <p:cNvPr id="10" name="图片 9">
+            <a:extLst>
+              <a:ext uri="{FF2B5EF4-FFF2-40B4-BE49-F238E27FC236}">
+                <a16:creationId xmlns:a16="http://schemas.microsoft.com/office/drawing/2014/main" id="{AC18E3F1-8B41-4D7D-94B2-508B2A7333D6}"/>
+              </a:ext>
+            </a:extLst>
+          </p:cNvPr>
+          <p:cNvPicPr>
+            <a:picLocks noChangeAspect="1"/>
+          </p:cNvPicPr>
+          <p:nvPr/>
+        </p:nvPicPr>
+        <p:blipFill rotWithShape="1">
+          <a:blip r:embed="rId2"/>
+          <a:srcRect t="1596"/>
+          <a:stretch/>
+        </p:blipFill>
+        <p:spPr>
+          <a:xfrm>
+            <a:off x="2109894" y="84038"/>
+            <a:ext cx="921345" cy="911424"/>
+          </a:xfrm>
+          <a:prstGeom prst="rect">
+            <a:avLst/>
+          </a:prstGeom>
+        </p:spPr>
+      </p:pic>
     </p:spTree>
     <p:extLst>
       <p:ext uri="{BB962C8B-B14F-4D97-AF65-F5344CB8AC3E}">
